--- a/01 Design/012 操作设计/手机端操作流程.pptx
+++ b/01 Design/012 操作设计/手机端操作流程.pptx
@@ -1,19 +1,19 @@
 
 <file path=ppt/presentation.xml><?xml version="1.0" encoding="utf-8"?>
-<p:presentation xmlns:a="http://schemas.openxmlformats.org/drawingml/2006/main" xmlns:r="http://schemas.openxmlformats.org/officeDocument/2006/relationships" xmlns:p="http://schemas.openxmlformats.org/presentationml/2006/main" saveSubsetFonts="1">
+<p:presentation xmlns:a="http://schemas.openxmlformats.org/drawingml/2006/main" xmlns:r="http://schemas.openxmlformats.org/officeDocument/2006/relationships" xmlns:p="http://schemas.openxmlformats.org/presentationml/2006/main">
   <p:sldMasterIdLst>
     <p:sldMasterId id="2147483648" r:id="rId1"/>
   </p:sldMasterIdLst>
   <p:sldIdLst>
-    <p:sldId id="256" r:id="rId2"/>
-    <p:sldId id="257" r:id="rId3"/>
-    <p:sldId id="258" r:id="rId4"/>
-    <p:sldId id="259" r:id="rId5"/>
-    <p:sldId id="260" r:id="rId6"/>
-    <p:sldId id="261" r:id="rId7"/>
-    <p:sldId id="262" r:id="rId8"/>
-    <p:sldId id="263" r:id="rId9"/>
-    <p:sldId id="264" r:id="rId10"/>
+    <p:sldId id="256" r:id="rId3"/>
+    <p:sldId id="257" r:id="rId4"/>
+    <p:sldId id="258" r:id="rId5"/>
+    <p:sldId id="259" r:id="rId6"/>
+    <p:sldId id="260" r:id="rId7"/>
+    <p:sldId id="261" r:id="rId8"/>
+    <p:sldId id="262" r:id="rId9"/>
+    <p:sldId id="263" r:id="rId10"/>
+    <p:sldId id="264" r:id="rId11"/>
   </p:sldIdLst>
   <p:sldSz cx="6858000" cy="9144000" type="letter"/>
   <p:notesSz cx="6858000" cy="9144000"/>
@@ -21,7 +21,7 @@
     <a:defPPr>
       <a:defRPr lang="zh-CN"/>
     </a:defPPr>
-    <a:lvl1pPr marL="0" algn="l" defTabSz="914290" rtl="0" eaLnBrk="1" latinLnBrk="0" hangingPunct="1">
+    <a:lvl1pPr marL="0" algn="l" defTabSz="913765" rtl="0" eaLnBrk="1" latinLnBrk="0" hangingPunct="1">
       <a:defRPr sz="1800" kern="1200">
         <a:solidFill>
           <a:schemeClr val="tx1"/>
@@ -31,7 +31,7 @@
         <a:cs typeface="+mn-cs"/>
       </a:defRPr>
     </a:lvl1pPr>
-    <a:lvl2pPr marL="457145" algn="l" defTabSz="914290" rtl="0" eaLnBrk="1" latinLnBrk="0" hangingPunct="1">
+    <a:lvl2pPr marL="457200" algn="l" defTabSz="913765" rtl="0" eaLnBrk="1" latinLnBrk="0" hangingPunct="1">
       <a:defRPr sz="1800" kern="1200">
         <a:solidFill>
           <a:schemeClr val="tx1"/>
@@ -41,7 +41,7 @@
         <a:cs typeface="+mn-cs"/>
       </a:defRPr>
     </a:lvl2pPr>
-    <a:lvl3pPr marL="914290" algn="l" defTabSz="914290" rtl="0" eaLnBrk="1" latinLnBrk="0" hangingPunct="1">
+    <a:lvl3pPr marL="914400" algn="l" defTabSz="913765" rtl="0" eaLnBrk="1" latinLnBrk="0" hangingPunct="1">
       <a:defRPr sz="1800" kern="1200">
         <a:solidFill>
           <a:schemeClr val="tx1"/>
@@ -51,7 +51,7 @@
         <a:cs typeface="+mn-cs"/>
       </a:defRPr>
     </a:lvl3pPr>
-    <a:lvl4pPr marL="1371435" algn="l" defTabSz="914290" rtl="0" eaLnBrk="1" latinLnBrk="0" hangingPunct="1">
+    <a:lvl4pPr marL="1371600" algn="l" defTabSz="913765" rtl="0" eaLnBrk="1" latinLnBrk="0" hangingPunct="1">
       <a:defRPr sz="1800" kern="1200">
         <a:solidFill>
           <a:schemeClr val="tx1"/>
@@ -61,7 +61,7 @@
         <a:cs typeface="+mn-cs"/>
       </a:defRPr>
     </a:lvl4pPr>
-    <a:lvl5pPr marL="1828581" algn="l" defTabSz="914290" rtl="0" eaLnBrk="1" latinLnBrk="0" hangingPunct="1">
+    <a:lvl5pPr marL="1828800" algn="l" defTabSz="913765" rtl="0" eaLnBrk="1" latinLnBrk="0" hangingPunct="1">
       <a:defRPr sz="1800" kern="1200">
         <a:solidFill>
           <a:schemeClr val="tx1"/>
@@ -71,7 +71,7 @@
         <a:cs typeface="+mn-cs"/>
       </a:defRPr>
     </a:lvl5pPr>
-    <a:lvl6pPr marL="2285726" algn="l" defTabSz="914290" rtl="0" eaLnBrk="1" latinLnBrk="0" hangingPunct="1">
+    <a:lvl6pPr marL="2286000" algn="l" defTabSz="913765" rtl="0" eaLnBrk="1" latinLnBrk="0" hangingPunct="1">
       <a:defRPr sz="1800" kern="1200">
         <a:solidFill>
           <a:schemeClr val="tx1"/>
@@ -81,7 +81,7 @@
         <a:cs typeface="+mn-cs"/>
       </a:defRPr>
     </a:lvl6pPr>
-    <a:lvl7pPr marL="2742871" algn="l" defTabSz="914290" rtl="0" eaLnBrk="1" latinLnBrk="0" hangingPunct="1">
+    <a:lvl7pPr marL="2742565" algn="l" defTabSz="913765" rtl="0" eaLnBrk="1" latinLnBrk="0" hangingPunct="1">
       <a:defRPr sz="1800" kern="1200">
         <a:solidFill>
           <a:schemeClr val="tx1"/>
@@ -91,7 +91,7 @@
         <a:cs typeface="+mn-cs"/>
       </a:defRPr>
     </a:lvl7pPr>
-    <a:lvl8pPr marL="3200016" algn="l" defTabSz="914290" rtl="0" eaLnBrk="1" latinLnBrk="0" hangingPunct="1">
+    <a:lvl8pPr marL="3199765" algn="l" defTabSz="913765" rtl="0" eaLnBrk="1" latinLnBrk="0" hangingPunct="1">
       <a:defRPr sz="1800" kern="1200">
         <a:solidFill>
           <a:schemeClr val="tx1"/>
@@ -101,7 +101,7 @@
         <a:cs typeface="+mn-cs"/>
       </a:defRPr>
     </a:lvl8pPr>
-    <a:lvl9pPr marL="3657161" algn="l" defTabSz="914290" rtl="0" eaLnBrk="1" latinLnBrk="0" hangingPunct="1">
+    <a:lvl9pPr marL="3656965" algn="l" defTabSz="913765" rtl="0" eaLnBrk="1" latinLnBrk="0" hangingPunct="1">
       <a:defRPr sz="1800" kern="1200">
         <a:solidFill>
           <a:schemeClr val="tx1"/>
@@ -155,8 +155,8 @@
           <a:lstStyle>
             <a:lvl1pPr>
               <a:defRPr sz="3600" b="1">
-                <a:latin typeface="微软雅黑" pitchFamily="34" charset="-122"/>
-                <a:ea typeface="微软雅黑" pitchFamily="34" charset="-122"/>
+                <a:latin typeface="微软雅黑" panose="020B0503020204020204" pitchFamily="34" charset="-122"/>
+                <a:ea typeface="微软雅黑" panose="020B0503020204020204" pitchFamily="34" charset="-122"/>
               </a:defRPr>
             </a:lvl1pPr>
           </a:lstStyle>
@@ -198,11 +198,11 @@
                     <a:tint val="75000"/>
                   </a:schemeClr>
                 </a:solidFill>
-                <a:latin typeface="微软雅黑" pitchFamily="34" charset="-122"/>
-                <a:ea typeface="微软雅黑" pitchFamily="34" charset="-122"/>
+                <a:latin typeface="微软雅黑" panose="020B0503020204020204" pitchFamily="34" charset="-122"/>
+                <a:ea typeface="微软雅黑" panose="020B0503020204020204" pitchFamily="34" charset="-122"/>
               </a:defRPr>
             </a:lvl1pPr>
-            <a:lvl2pPr marL="457145" indent="0" algn="ctr">
+            <a:lvl2pPr marL="457200" indent="0" algn="ctr">
               <a:buNone/>
               <a:defRPr>
                 <a:solidFill>
@@ -212,7 +212,7 @@
                 </a:solidFill>
               </a:defRPr>
             </a:lvl2pPr>
-            <a:lvl3pPr marL="914290" indent="0" algn="ctr">
+            <a:lvl3pPr marL="914400" indent="0" algn="ctr">
               <a:buNone/>
               <a:defRPr>
                 <a:solidFill>
@@ -222,7 +222,7 @@
                 </a:solidFill>
               </a:defRPr>
             </a:lvl3pPr>
-            <a:lvl4pPr marL="1371435" indent="0" algn="ctr">
+            <a:lvl4pPr marL="1371600" indent="0" algn="ctr">
               <a:buNone/>
               <a:defRPr>
                 <a:solidFill>
@@ -232,7 +232,7 @@
                 </a:solidFill>
               </a:defRPr>
             </a:lvl4pPr>
-            <a:lvl5pPr marL="1828581" indent="0" algn="ctr">
+            <a:lvl5pPr marL="1828800" indent="0" algn="ctr">
               <a:buNone/>
               <a:defRPr>
                 <a:solidFill>
@@ -242,7 +242,7 @@
                 </a:solidFill>
               </a:defRPr>
             </a:lvl5pPr>
-            <a:lvl6pPr marL="2285726" indent="0" algn="ctr">
+            <a:lvl6pPr marL="2286000" indent="0" algn="ctr">
               <a:buNone/>
               <a:defRPr>
                 <a:solidFill>
@@ -252,7 +252,7 @@
                 </a:solidFill>
               </a:defRPr>
             </a:lvl6pPr>
-            <a:lvl7pPr marL="2742871" indent="0" algn="ctr">
+            <a:lvl7pPr marL="2742565" indent="0" algn="ctr">
               <a:buNone/>
               <a:defRPr>
                 <a:solidFill>
@@ -262,7 +262,7 @@
                 </a:solidFill>
               </a:defRPr>
             </a:lvl7pPr>
-            <a:lvl8pPr marL="3200016" indent="0" algn="ctr">
+            <a:lvl8pPr marL="3199765" indent="0" algn="ctr">
               <a:buNone/>
               <a:defRPr>
                 <a:solidFill>
@@ -272,7 +272,7 @@
                 </a:solidFill>
               </a:defRPr>
             </a:lvl8pPr>
-            <a:lvl9pPr marL="3657161" indent="0" algn="ctr">
+            <a:lvl9pPr marL="3656965" indent="0" algn="ctr">
               <a:buNone/>
               <a:defRPr>
                 <a:solidFill>
@@ -309,8 +309,6 @@
           <a:p>
             <a:fld id="{530820CF-B880-4189-942D-D702A7CBA730}" type="datetimeFigureOut">
               <a:rPr lang="zh-CN" altLang="en-US" smtClean="0"/>
-              <a:pPr/>
-              <a:t>2018/8/14</a:t>
             </a:fld>
             <a:endParaRPr lang="zh-CN" altLang="en-US"/>
           </a:p>
@@ -352,8 +350,6 @@
           <a:p>
             <a:fld id="{0C913308-F349-4B6D-A68A-DD1791B4A57B}" type="slidenum">
               <a:rPr lang="zh-CN" altLang="en-US" smtClean="0"/>
-              <a:pPr/>
-              <a:t>‹#›</a:t>
             </a:fld>
             <a:endParaRPr lang="zh-CN" altLang="en-US"/>
           </a:p>
@@ -427,6 +423,7 @@
               <a:rPr lang="zh-CN" altLang="en-US" smtClean="0"/>
               <a:t>单击此处编辑母版文本样式</a:t>
             </a:r>
+            <a:endParaRPr lang="zh-CN" altLang="en-US" smtClean="0"/>
           </a:p>
           <a:p>
             <a:pPr lvl="1"/>
@@ -434,6 +431,7 @@
               <a:rPr lang="zh-CN" altLang="en-US" smtClean="0"/>
               <a:t>第二级</a:t>
             </a:r>
+            <a:endParaRPr lang="zh-CN" altLang="en-US" smtClean="0"/>
           </a:p>
           <a:p>
             <a:pPr lvl="2"/>
@@ -441,6 +439,7 @@
               <a:rPr lang="zh-CN" altLang="en-US" smtClean="0"/>
               <a:t>第三级</a:t>
             </a:r>
+            <a:endParaRPr lang="zh-CN" altLang="en-US" smtClean="0"/>
           </a:p>
           <a:p>
             <a:pPr lvl="3"/>
@@ -448,6 +447,7 @@
               <a:rPr lang="zh-CN" altLang="en-US" smtClean="0"/>
               <a:t>第四级</a:t>
             </a:r>
+            <a:endParaRPr lang="zh-CN" altLang="en-US" smtClean="0"/>
           </a:p>
           <a:p>
             <a:pPr lvl="4"/>
@@ -476,8 +476,6 @@
           <a:p>
             <a:fld id="{530820CF-B880-4189-942D-D702A7CBA730}" type="datetimeFigureOut">
               <a:rPr lang="zh-CN" altLang="en-US" smtClean="0"/>
-              <a:pPr/>
-              <a:t>2018/8/14</a:t>
             </a:fld>
             <a:endParaRPr lang="zh-CN" altLang="en-US"/>
           </a:p>
@@ -519,8 +517,6 @@
           <a:p>
             <a:fld id="{0C913308-F349-4B6D-A68A-DD1791B4A57B}" type="slidenum">
               <a:rPr lang="zh-CN" altLang="en-US" smtClean="0"/>
-              <a:pPr/>
-              <a:t>‹#›</a:t>
             </a:fld>
             <a:endParaRPr lang="zh-CN" altLang="en-US"/>
           </a:p>
@@ -604,6 +600,7 @@
               <a:rPr lang="zh-CN" altLang="en-US" smtClean="0"/>
               <a:t>单击此处编辑母版文本样式</a:t>
             </a:r>
+            <a:endParaRPr lang="zh-CN" altLang="en-US" smtClean="0"/>
           </a:p>
           <a:p>
             <a:pPr lvl="1"/>
@@ -611,6 +608,7 @@
               <a:rPr lang="zh-CN" altLang="en-US" smtClean="0"/>
               <a:t>第二级</a:t>
             </a:r>
+            <a:endParaRPr lang="zh-CN" altLang="en-US" smtClean="0"/>
           </a:p>
           <a:p>
             <a:pPr lvl="2"/>
@@ -618,6 +616,7 @@
               <a:rPr lang="zh-CN" altLang="en-US" smtClean="0"/>
               <a:t>第三级</a:t>
             </a:r>
+            <a:endParaRPr lang="zh-CN" altLang="en-US" smtClean="0"/>
           </a:p>
           <a:p>
             <a:pPr lvl="3"/>
@@ -625,6 +624,7 @@
               <a:rPr lang="zh-CN" altLang="en-US" smtClean="0"/>
               <a:t>第四级</a:t>
             </a:r>
+            <a:endParaRPr lang="zh-CN" altLang="en-US" smtClean="0"/>
           </a:p>
           <a:p>
             <a:pPr lvl="4"/>
@@ -653,8 +653,6 @@
           <a:p>
             <a:fld id="{530820CF-B880-4189-942D-D702A7CBA730}" type="datetimeFigureOut">
               <a:rPr lang="zh-CN" altLang="en-US" smtClean="0"/>
-              <a:pPr/>
-              <a:t>2018/8/14</a:t>
             </a:fld>
             <a:endParaRPr lang="zh-CN" altLang="en-US"/>
           </a:p>
@@ -696,8 +694,6 @@
           <a:p>
             <a:fld id="{0C913308-F349-4B6D-A68A-DD1791B4A57B}" type="slidenum">
               <a:rPr lang="zh-CN" altLang="en-US" smtClean="0"/>
-              <a:pPr/>
-              <a:t>‹#›</a:t>
             </a:fld>
             <a:endParaRPr lang="zh-CN" altLang="en-US"/>
           </a:p>
@@ -751,8 +747,8 @@
           <a:lstStyle>
             <a:lvl1pPr>
               <a:defRPr sz="3200">
-                <a:latin typeface="微软雅黑" pitchFamily="34" charset="-122"/>
-                <a:ea typeface="微软雅黑" pitchFamily="34" charset="-122"/>
+                <a:latin typeface="微软雅黑" panose="020B0503020204020204" pitchFamily="34" charset="-122"/>
+                <a:ea typeface="微软雅黑" panose="020B0503020204020204" pitchFamily="34" charset="-122"/>
               </a:defRPr>
             </a:lvl1pPr>
           </a:lstStyle>
@@ -782,8 +778,6 @@
           <a:p>
             <a:fld id="{530820CF-B880-4189-942D-D702A7CBA730}" type="datetimeFigureOut">
               <a:rPr lang="zh-CN" altLang="en-US" smtClean="0"/>
-              <a:pPr/>
-              <a:t>2018/8/14</a:t>
             </a:fld>
             <a:endParaRPr lang="zh-CN" altLang="en-US"/>
           </a:p>
@@ -879,8 +873,8 @@
           <a:lstStyle>
             <a:lvl1pPr algn="l">
               <a:defRPr sz="3200" b="0" cap="all">
-                <a:latin typeface="微软雅黑" pitchFamily="34" charset="-122"/>
-                <a:ea typeface="微软雅黑" pitchFamily="34" charset="-122"/>
+                <a:latin typeface="微软雅黑" panose="020B0503020204020204" pitchFamily="34" charset="-122"/>
+                <a:ea typeface="微软雅黑" panose="020B0503020204020204" pitchFamily="34" charset="-122"/>
               </a:defRPr>
             </a:lvl1pPr>
           </a:lstStyle>
@@ -910,8 +904,6 @@
           <a:p>
             <a:fld id="{530820CF-B880-4189-942D-D702A7CBA730}" type="datetimeFigureOut">
               <a:rPr lang="zh-CN" altLang="en-US" smtClean="0"/>
-              <a:pPr/>
-              <a:t>2018/8/14</a:t>
             </a:fld>
             <a:endParaRPr lang="zh-CN" altLang="en-US"/>
           </a:p>
@@ -1095,6 +1087,7 @@
               <a:rPr lang="zh-CN" altLang="en-US" smtClean="0"/>
               <a:t>单击此处编辑母版文本样式</a:t>
             </a:r>
+            <a:endParaRPr lang="zh-CN" altLang="en-US" smtClean="0"/>
           </a:p>
           <a:p>
             <a:pPr lvl="1"/>
@@ -1102,6 +1095,7 @@
               <a:rPr lang="zh-CN" altLang="en-US" smtClean="0"/>
               <a:t>第二级</a:t>
             </a:r>
+            <a:endParaRPr lang="zh-CN" altLang="en-US" smtClean="0"/>
           </a:p>
           <a:p>
             <a:pPr lvl="2"/>
@@ -1109,6 +1103,7 @@
               <a:rPr lang="zh-CN" altLang="en-US" smtClean="0"/>
               <a:t>第三级</a:t>
             </a:r>
+            <a:endParaRPr lang="zh-CN" altLang="en-US" smtClean="0"/>
           </a:p>
           <a:p>
             <a:pPr lvl="3"/>
@@ -1116,6 +1111,7 @@
               <a:rPr lang="zh-CN" altLang="en-US" smtClean="0"/>
               <a:t>第四级</a:t>
             </a:r>
+            <a:endParaRPr lang="zh-CN" altLang="en-US" smtClean="0"/>
           </a:p>
           <a:p>
             <a:pPr lvl="4"/>
@@ -1180,6 +1176,7 @@
               <a:rPr lang="zh-CN" altLang="en-US" smtClean="0"/>
               <a:t>单击此处编辑母版文本样式</a:t>
             </a:r>
+            <a:endParaRPr lang="zh-CN" altLang="en-US" smtClean="0"/>
           </a:p>
           <a:p>
             <a:pPr lvl="1"/>
@@ -1187,6 +1184,7 @@
               <a:rPr lang="zh-CN" altLang="en-US" smtClean="0"/>
               <a:t>第二级</a:t>
             </a:r>
+            <a:endParaRPr lang="zh-CN" altLang="en-US" smtClean="0"/>
           </a:p>
           <a:p>
             <a:pPr lvl="2"/>
@@ -1194,6 +1192,7 @@
               <a:rPr lang="zh-CN" altLang="en-US" smtClean="0"/>
               <a:t>第三级</a:t>
             </a:r>
+            <a:endParaRPr lang="zh-CN" altLang="en-US" smtClean="0"/>
           </a:p>
           <a:p>
             <a:pPr lvl="3"/>
@@ -1201,6 +1200,7 @@
               <a:rPr lang="zh-CN" altLang="en-US" smtClean="0"/>
               <a:t>第四级</a:t>
             </a:r>
+            <a:endParaRPr lang="zh-CN" altLang="en-US" smtClean="0"/>
           </a:p>
           <a:p>
             <a:pPr lvl="4"/>
@@ -1229,8 +1229,6 @@
           <a:p>
             <a:fld id="{530820CF-B880-4189-942D-D702A7CBA730}" type="datetimeFigureOut">
               <a:rPr lang="zh-CN" altLang="en-US" smtClean="0"/>
-              <a:pPr/>
-              <a:t>2018/8/14</a:t>
             </a:fld>
             <a:endParaRPr lang="zh-CN" altLang="en-US"/>
           </a:p>
@@ -1272,8 +1270,6 @@
           <a:p>
             <a:fld id="{0C913308-F349-4B6D-A68A-DD1791B4A57B}" type="slidenum">
               <a:rPr lang="zh-CN" altLang="en-US" smtClean="0"/>
-              <a:pPr/>
-              <a:t>‹#›</a:t>
             </a:fld>
             <a:endParaRPr lang="zh-CN" altLang="en-US"/>
           </a:p>
@@ -1354,35 +1350,35 @@
               <a:buNone/>
               <a:defRPr sz="2400" b="1"/>
             </a:lvl1pPr>
-            <a:lvl2pPr marL="457145" indent="0">
+            <a:lvl2pPr marL="457200" indent="0">
               <a:buNone/>
               <a:defRPr sz="2000" b="1"/>
             </a:lvl2pPr>
-            <a:lvl3pPr marL="914290" indent="0">
+            <a:lvl3pPr marL="914400" indent="0">
               <a:buNone/>
               <a:defRPr sz="1800" b="1"/>
             </a:lvl3pPr>
-            <a:lvl4pPr marL="1371435" indent="0">
+            <a:lvl4pPr marL="1371600" indent="0">
               <a:buNone/>
               <a:defRPr sz="1600" b="1"/>
             </a:lvl4pPr>
-            <a:lvl5pPr marL="1828581" indent="0">
+            <a:lvl5pPr marL="1828800" indent="0">
               <a:buNone/>
               <a:defRPr sz="1600" b="1"/>
             </a:lvl5pPr>
-            <a:lvl6pPr marL="2285726" indent="0">
+            <a:lvl6pPr marL="2286000" indent="0">
               <a:buNone/>
               <a:defRPr sz="1600" b="1"/>
             </a:lvl6pPr>
-            <a:lvl7pPr marL="2742871" indent="0">
+            <a:lvl7pPr marL="2742565" indent="0">
               <a:buNone/>
               <a:defRPr sz="1600" b="1"/>
             </a:lvl7pPr>
-            <a:lvl8pPr marL="3200016" indent="0">
+            <a:lvl8pPr marL="3199765" indent="0">
               <a:buNone/>
               <a:defRPr sz="1600" b="1"/>
             </a:lvl8pPr>
-            <a:lvl9pPr marL="3657161" indent="0">
+            <a:lvl9pPr marL="3656965" indent="0">
               <a:buNone/>
               <a:defRPr sz="1600" b="1"/>
             </a:lvl9pPr>
@@ -1393,6 +1389,7 @@
               <a:rPr lang="zh-CN" altLang="en-US" smtClean="0"/>
               <a:t>单击此处编辑母版文本样式</a:t>
             </a:r>
+            <a:endParaRPr lang="zh-CN" altLang="en-US" smtClean="0"/>
           </a:p>
         </p:txBody>
       </p:sp>
@@ -1449,6 +1446,7 @@
               <a:rPr lang="zh-CN" altLang="en-US" smtClean="0"/>
               <a:t>单击此处编辑母版文本样式</a:t>
             </a:r>
+            <a:endParaRPr lang="zh-CN" altLang="en-US" smtClean="0"/>
           </a:p>
           <a:p>
             <a:pPr lvl="1"/>
@@ -1456,6 +1454,7 @@
               <a:rPr lang="zh-CN" altLang="en-US" smtClean="0"/>
               <a:t>第二级</a:t>
             </a:r>
+            <a:endParaRPr lang="zh-CN" altLang="en-US" smtClean="0"/>
           </a:p>
           <a:p>
             <a:pPr lvl="2"/>
@@ -1463,6 +1462,7 @@
               <a:rPr lang="zh-CN" altLang="en-US" smtClean="0"/>
               <a:t>第三级</a:t>
             </a:r>
+            <a:endParaRPr lang="zh-CN" altLang="en-US" smtClean="0"/>
           </a:p>
           <a:p>
             <a:pPr lvl="3"/>
@@ -1470,6 +1470,7 @@
               <a:rPr lang="zh-CN" altLang="en-US" smtClean="0"/>
               <a:t>第四级</a:t>
             </a:r>
+            <a:endParaRPr lang="zh-CN" altLang="en-US" smtClean="0"/>
           </a:p>
           <a:p>
             <a:pPr lvl="4"/>
@@ -1504,35 +1505,35 @@
               <a:buNone/>
               <a:defRPr sz="2400" b="1"/>
             </a:lvl1pPr>
-            <a:lvl2pPr marL="457145" indent="0">
+            <a:lvl2pPr marL="457200" indent="0">
               <a:buNone/>
               <a:defRPr sz="2000" b="1"/>
             </a:lvl2pPr>
-            <a:lvl3pPr marL="914290" indent="0">
+            <a:lvl3pPr marL="914400" indent="0">
               <a:buNone/>
               <a:defRPr sz="1800" b="1"/>
             </a:lvl3pPr>
-            <a:lvl4pPr marL="1371435" indent="0">
+            <a:lvl4pPr marL="1371600" indent="0">
               <a:buNone/>
               <a:defRPr sz="1600" b="1"/>
             </a:lvl4pPr>
-            <a:lvl5pPr marL="1828581" indent="0">
+            <a:lvl5pPr marL="1828800" indent="0">
               <a:buNone/>
               <a:defRPr sz="1600" b="1"/>
             </a:lvl5pPr>
-            <a:lvl6pPr marL="2285726" indent="0">
+            <a:lvl6pPr marL="2286000" indent="0">
               <a:buNone/>
               <a:defRPr sz="1600" b="1"/>
             </a:lvl6pPr>
-            <a:lvl7pPr marL="2742871" indent="0">
+            <a:lvl7pPr marL="2742565" indent="0">
               <a:buNone/>
               <a:defRPr sz="1600" b="1"/>
             </a:lvl7pPr>
-            <a:lvl8pPr marL="3200016" indent="0">
+            <a:lvl8pPr marL="3199765" indent="0">
               <a:buNone/>
               <a:defRPr sz="1600" b="1"/>
             </a:lvl8pPr>
-            <a:lvl9pPr marL="3657161" indent="0">
+            <a:lvl9pPr marL="3656965" indent="0">
               <a:buNone/>
               <a:defRPr sz="1600" b="1"/>
             </a:lvl9pPr>
@@ -1543,6 +1544,7 @@
               <a:rPr lang="zh-CN" altLang="en-US" smtClean="0"/>
               <a:t>单击此处编辑母版文本样式</a:t>
             </a:r>
+            <a:endParaRPr lang="zh-CN" altLang="en-US" smtClean="0"/>
           </a:p>
         </p:txBody>
       </p:sp>
@@ -1599,6 +1601,7 @@
               <a:rPr lang="zh-CN" altLang="en-US" smtClean="0"/>
               <a:t>单击此处编辑母版文本样式</a:t>
             </a:r>
+            <a:endParaRPr lang="zh-CN" altLang="en-US" smtClean="0"/>
           </a:p>
           <a:p>
             <a:pPr lvl="1"/>
@@ -1606,6 +1609,7 @@
               <a:rPr lang="zh-CN" altLang="en-US" smtClean="0"/>
               <a:t>第二级</a:t>
             </a:r>
+            <a:endParaRPr lang="zh-CN" altLang="en-US" smtClean="0"/>
           </a:p>
           <a:p>
             <a:pPr lvl="2"/>
@@ -1613,6 +1617,7 @@
               <a:rPr lang="zh-CN" altLang="en-US" smtClean="0"/>
               <a:t>第三级</a:t>
             </a:r>
+            <a:endParaRPr lang="zh-CN" altLang="en-US" smtClean="0"/>
           </a:p>
           <a:p>
             <a:pPr lvl="3"/>
@@ -1620,6 +1625,7 @@
               <a:rPr lang="zh-CN" altLang="en-US" smtClean="0"/>
               <a:t>第四级</a:t>
             </a:r>
+            <a:endParaRPr lang="zh-CN" altLang="en-US" smtClean="0"/>
           </a:p>
           <a:p>
             <a:pPr lvl="4"/>
@@ -1648,8 +1654,6 @@
           <a:p>
             <a:fld id="{530820CF-B880-4189-942D-D702A7CBA730}" type="datetimeFigureOut">
               <a:rPr lang="zh-CN" altLang="en-US" smtClean="0"/>
-              <a:pPr/>
-              <a:t>2018/8/14</a:t>
             </a:fld>
             <a:endParaRPr lang="zh-CN" altLang="en-US"/>
           </a:p>
@@ -1691,8 +1695,6 @@
           <a:p>
             <a:fld id="{0C913308-F349-4B6D-A68A-DD1791B4A57B}" type="slidenum">
               <a:rPr lang="zh-CN" altLang="en-US" smtClean="0"/>
-              <a:pPr/>
-              <a:t>‹#›</a:t>
             </a:fld>
             <a:endParaRPr lang="zh-CN" altLang="en-US"/>
           </a:p>
@@ -1763,8 +1765,6 @@
           <a:p>
             <a:fld id="{530820CF-B880-4189-942D-D702A7CBA730}" type="datetimeFigureOut">
               <a:rPr lang="zh-CN" altLang="en-US" smtClean="0"/>
-              <a:pPr/>
-              <a:t>2018/8/14</a:t>
             </a:fld>
             <a:endParaRPr lang="zh-CN" altLang="en-US"/>
           </a:p>
@@ -1806,8 +1806,6 @@
           <a:p>
             <a:fld id="{0C913308-F349-4B6D-A68A-DD1791B4A57B}" type="slidenum">
               <a:rPr lang="zh-CN" altLang="en-US" smtClean="0"/>
-              <a:pPr/>
-              <a:t>‹#›</a:t>
             </a:fld>
             <a:endParaRPr lang="zh-CN" altLang="en-US"/>
           </a:p>
@@ -1855,8 +1853,6 @@
           <a:p>
             <a:fld id="{530820CF-B880-4189-942D-D702A7CBA730}" type="datetimeFigureOut">
               <a:rPr lang="zh-CN" altLang="en-US" smtClean="0"/>
-              <a:pPr/>
-              <a:t>2018/8/14</a:t>
             </a:fld>
             <a:endParaRPr lang="zh-CN" altLang="en-US"/>
           </a:p>
@@ -1898,8 +1894,6 @@
           <a:p>
             <a:fld id="{0C913308-F349-4B6D-A68A-DD1791B4A57B}" type="slidenum">
               <a:rPr lang="zh-CN" altLang="en-US" smtClean="0"/>
-              <a:pPr/>
-              <a:t>‹#›</a:t>
             </a:fld>
             <a:endParaRPr lang="zh-CN" altLang="en-US"/>
           </a:p>
@@ -2015,6 +2009,7 @@
               <a:rPr lang="zh-CN" altLang="en-US" smtClean="0"/>
               <a:t>单击此处编辑母版文本样式</a:t>
             </a:r>
+            <a:endParaRPr lang="zh-CN" altLang="en-US" smtClean="0"/>
           </a:p>
           <a:p>
             <a:pPr lvl="1"/>
@@ -2022,6 +2017,7 @@
               <a:rPr lang="zh-CN" altLang="en-US" smtClean="0"/>
               <a:t>第二级</a:t>
             </a:r>
+            <a:endParaRPr lang="zh-CN" altLang="en-US" smtClean="0"/>
           </a:p>
           <a:p>
             <a:pPr lvl="2"/>
@@ -2029,6 +2025,7 @@
               <a:rPr lang="zh-CN" altLang="en-US" smtClean="0"/>
               <a:t>第三级</a:t>
             </a:r>
+            <a:endParaRPr lang="zh-CN" altLang="en-US" smtClean="0"/>
           </a:p>
           <a:p>
             <a:pPr lvl="3"/>
@@ -2036,6 +2033,7 @@
               <a:rPr lang="zh-CN" altLang="en-US" smtClean="0"/>
               <a:t>第四级</a:t>
             </a:r>
+            <a:endParaRPr lang="zh-CN" altLang="en-US" smtClean="0"/>
           </a:p>
           <a:p>
             <a:pPr lvl="4"/>
@@ -2070,35 +2068,35 @@
               <a:buNone/>
               <a:defRPr sz="1400"/>
             </a:lvl1pPr>
-            <a:lvl2pPr marL="457145" indent="0">
+            <a:lvl2pPr marL="457200" indent="0">
               <a:buNone/>
               <a:defRPr sz="1200"/>
             </a:lvl2pPr>
-            <a:lvl3pPr marL="914290" indent="0">
+            <a:lvl3pPr marL="914400" indent="0">
               <a:buNone/>
               <a:defRPr sz="1000"/>
             </a:lvl3pPr>
-            <a:lvl4pPr marL="1371435" indent="0">
+            <a:lvl4pPr marL="1371600" indent="0">
               <a:buNone/>
               <a:defRPr sz="900"/>
             </a:lvl4pPr>
-            <a:lvl5pPr marL="1828581" indent="0">
+            <a:lvl5pPr marL="1828800" indent="0">
               <a:buNone/>
               <a:defRPr sz="900"/>
             </a:lvl5pPr>
-            <a:lvl6pPr marL="2285726" indent="0">
+            <a:lvl6pPr marL="2286000" indent="0">
               <a:buNone/>
               <a:defRPr sz="900"/>
             </a:lvl6pPr>
-            <a:lvl7pPr marL="2742871" indent="0">
+            <a:lvl7pPr marL="2742565" indent="0">
               <a:buNone/>
               <a:defRPr sz="900"/>
             </a:lvl7pPr>
-            <a:lvl8pPr marL="3200016" indent="0">
+            <a:lvl8pPr marL="3199765" indent="0">
               <a:buNone/>
               <a:defRPr sz="900"/>
             </a:lvl8pPr>
-            <a:lvl9pPr marL="3657161" indent="0">
+            <a:lvl9pPr marL="3656965" indent="0">
               <a:buNone/>
               <a:defRPr sz="900"/>
             </a:lvl9pPr>
@@ -2109,6 +2107,7 @@
               <a:rPr lang="zh-CN" altLang="en-US" smtClean="0"/>
               <a:t>单击此处编辑母版文本样式</a:t>
             </a:r>
+            <a:endParaRPr lang="zh-CN" altLang="en-US" smtClean="0"/>
           </a:p>
         </p:txBody>
       </p:sp>
@@ -2129,8 +2128,6 @@
           <a:p>
             <a:fld id="{530820CF-B880-4189-942D-D702A7CBA730}" type="datetimeFigureOut">
               <a:rPr lang="zh-CN" altLang="en-US" smtClean="0"/>
-              <a:pPr/>
-              <a:t>2018/8/14</a:t>
             </a:fld>
             <a:endParaRPr lang="zh-CN" altLang="en-US"/>
           </a:p>
@@ -2172,8 +2169,6 @@
           <a:p>
             <a:fld id="{0C913308-F349-4B6D-A68A-DD1791B4A57B}" type="slidenum">
               <a:rPr lang="zh-CN" altLang="en-US" smtClean="0"/>
-              <a:pPr/>
-              <a:t>‹#›</a:t>
             </a:fld>
             <a:endParaRPr lang="zh-CN" altLang="en-US"/>
           </a:p>
@@ -2259,35 +2254,35 @@
               <a:buNone/>
               <a:defRPr sz="3200"/>
             </a:lvl1pPr>
-            <a:lvl2pPr marL="457145" indent="0">
+            <a:lvl2pPr marL="457200" indent="0">
               <a:buNone/>
               <a:defRPr sz="2800"/>
             </a:lvl2pPr>
-            <a:lvl3pPr marL="914290" indent="0">
+            <a:lvl3pPr marL="914400" indent="0">
               <a:buNone/>
               <a:defRPr sz="2400"/>
             </a:lvl3pPr>
-            <a:lvl4pPr marL="1371435" indent="0">
+            <a:lvl4pPr marL="1371600" indent="0">
               <a:buNone/>
               <a:defRPr sz="2000"/>
             </a:lvl4pPr>
-            <a:lvl5pPr marL="1828581" indent="0">
+            <a:lvl5pPr marL="1828800" indent="0">
               <a:buNone/>
               <a:defRPr sz="2000"/>
             </a:lvl5pPr>
-            <a:lvl6pPr marL="2285726" indent="0">
+            <a:lvl6pPr marL="2286000" indent="0">
               <a:buNone/>
               <a:defRPr sz="2000"/>
             </a:lvl6pPr>
-            <a:lvl7pPr marL="2742871" indent="0">
+            <a:lvl7pPr marL="2742565" indent="0">
               <a:buNone/>
               <a:defRPr sz="2000"/>
             </a:lvl7pPr>
-            <a:lvl8pPr marL="3200016" indent="0">
+            <a:lvl8pPr marL="3199765" indent="0">
               <a:buNone/>
               <a:defRPr sz="2000"/>
             </a:lvl8pPr>
-            <a:lvl9pPr marL="3657161" indent="0">
+            <a:lvl9pPr marL="3656965" indent="0">
               <a:buNone/>
               <a:defRPr sz="2000"/>
             </a:lvl9pPr>
@@ -2320,35 +2315,35 @@
               <a:buNone/>
               <a:defRPr sz="1400"/>
             </a:lvl1pPr>
-            <a:lvl2pPr marL="457145" indent="0">
+            <a:lvl2pPr marL="457200" indent="0">
               <a:buNone/>
               <a:defRPr sz="1200"/>
             </a:lvl2pPr>
-            <a:lvl3pPr marL="914290" indent="0">
+            <a:lvl3pPr marL="914400" indent="0">
               <a:buNone/>
               <a:defRPr sz="1000"/>
             </a:lvl3pPr>
-            <a:lvl4pPr marL="1371435" indent="0">
+            <a:lvl4pPr marL="1371600" indent="0">
               <a:buNone/>
               <a:defRPr sz="900"/>
             </a:lvl4pPr>
-            <a:lvl5pPr marL="1828581" indent="0">
+            <a:lvl5pPr marL="1828800" indent="0">
               <a:buNone/>
               <a:defRPr sz="900"/>
             </a:lvl5pPr>
-            <a:lvl6pPr marL="2285726" indent="0">
+            <a:lvl6pPr marL="2286000" indent="0">
               <a:buNone/>
               <a:defRPr sz="900"/>
             </a:lvl6pPr>
-            <a:lvl7pPr marL="2742871" indent="0">
+            <a:lvl7pPr marL="2742565" indent="0">
               <a:buNone/>
               <a:defRPr sz="900"/>
             </a:lvl7pPr>
-            <a:lvl8pPr marL="3200016" indent="0">
+            <a:lvl8pPr marL="3199765" indent="0">
               <a:buNone/>
               <a:defRPr sz="900"/>
             </a:lvl8pPr>
-            <a:lvl9pPr marL="3657161" indent="0">
+            <a:lvl9pPr marL="3656965" indent="0">
               <a:buNone/>
               <a:defRPr sz="900"/>
             </a:lvl9pPr>
@@ -2359,6 +2354,7 @@
               <a:rPr lang="zh-CN" altLang="en-US" smtClean="0"/>
               <a:t>单击此处编辑母版文本样式</a:t>
             </a:r>
+            <a:endParaRPr lang="zh-CN" altLang="en-US" smtClean="0"/>
           </a:p>
         </p:txBody>
       </p:sp>
@@ -2379,8 +2375,6 @@
           <a:p>
             <a:fld id="{530820CF-B880-4189-942D-D702A7CBA730}" type="datetimeFigureOut">
               <a:rPr lang="zh-CN" altLang="en-US" smtClean="0"/>
-              <a:pPr/>
-              <a:t>2018/8/14</a:t>
             </a:fld>
             <a:endParaRPr lang="zh-CN" altLang="en-US"/>
           </a:p>
@@ -2422,8 +2416,6 @@
           <a:p>
             <a:fld id="{0C913308-F349-4B6D-A68A-DD1791B4A57B}" type="slidenum">
               <a:rPr lang="zh-CN" altLang="en-US" smtClean="0"/>
-              <a:pPr/>
-              <a:t>‹#›</a:t>
             </a:fld>
             <a:endParaRPr lang="zh-CN" altLang="en-US"/>
           </a:p>
@@ -2522,6 +2514,7 @@
               <a:rPr lang="zh-CN" altLang="en-US" smtClean="0"/>
               <a:t>单击此处编辑母版文本样式</a:t>
             </a:r>
+            <a:endParaRPr lang="zh-CN" altLang="en-US" smtClean="0"/>
           </a:p>
           <a:p>
             <a:pPr lvl="1"/>
@@ -2529,6 +2522,7 @@
               <a:rPr lang="zh-CN" altLang="en-US" smtClean="0"/>
               <a:t>第二级</a:t>
             </a:r>
+            <a:endParaRPr lang="zh-CN" altLang="en-US" smtClean="0"/>
           </a:p>
           <a:p>
             <a:pPr lvl="2"/>
@@ -2536,6 +2530,7 @@
               <a:rPr lang="zh-CN" altLang="en-US" smtClean="0"/>
               <a:t>第三级</a:t>
             </a:r>
+            <a:endParaRPr lang="zh-CN" altLang="en-US" smtClean="0"/>
           </a:p>
           <a:p>
             <a:pPr lvl="3"/>
@@ -2543,6 +2538,7 @@
               <a:rPr lang="zh-CN" altLang="en-US" smtClean="0"/>
               <a:t>第四级</a:t>
             </a:r>
+            <a:endParaRPr lang="zh-CN" altLang="en-US" smtClean="0"/>
           </a:p>
           <a:p>
             <a:pPr lvl="4"/>
@@ -2589,8 +2585,6 @@
           <a:p>
             <a:fld id="{530820CF-B880-4189-942D-D702A7CBA730}" type="datetimeFigureOut">
               <a:rPr lang="zh-CN" altLang="en-US" smtClean="0"/>
-              <a:pPr/>
-              <a:t>2018/8/14</a:t>
             </a:fld>
             <a:endParaRPr lang="zh-CN" altLang="en-US"/>
           </a:p>
@@ -2668,8 +2662,6 @@
           <a:p>
             <a:fld id="{0C913308-F349-4B6D-A68A-DD1791B4A57B}" type="slidenum">
               <a:rPr lang="zh-CN" altLang="en-US" smtClean="0"/>
-              <a:pPr/>
-              <a:t>‹#›</a:t>
             </a:fld>
             <a:endParaRPr lang="zh-CN" altLang="en-US"/>
           </a:p>
@@ -2693,7 +2685,7 @@
   </p:sldLayoutIdLst>
   <p:txStyles>
     <p:titleStyle>
-      <a:lvl1pPr algn="ctr" defTabSz="914290" rtl="0" eaLnBrk="1" latinLnBrk="0" hangingPunct="1">
+      <a:lvl1pPr algn="ctr" defTabSz="913765" rtl="0" eaLnBrk="1" latinLnBrk="0" hangingPunct="1">
         <a:spcBef>
           <a:spcPct val="0"/>
         </a:spcBef>
@@ -2709,11 +2701,11 @@
       </a:lvl1pPr>
     </p:titleStyle>
     <p:bodyStyle>
-      <a:lvl1pPr marL="342859" indent="-342859" algn="l" defTabSz="914290" rtl="0" eaLnBrk="1" latinLnBrk="0" hangingPunct="1">
+      <a:lvl1pPr marL="342900" indent="-342900" algn="l" defTabSz="913765" rtl="0" eaLnBrk="1" latinLnBrk="0" hangingPunct="1">
         <a:spcBef>
           <a:spcPct val="20000"/>
         </a:spcBef>
-        <a:buFont typeface="Arial" pitchFamily="34" charset="0"/>
+        <a:buFont typeface="Arial" panose="020B0604020202020204" pitchFamily="34" charset="0"/>
         <a:buChar char="•"/>
         <a:defRPr sz="3200" kern="1200">
           <a:solidFill>
@@ -2724,11 +2716,11 @@
           <a:cs typeface="+mn-cs"/>
         </a:defRPr>
       </a:lvl1pPr>
-      <a:lvl2pPr marL="742861" indent="-285716" algn="l" defTabSz="914290" rtl="0" eaLnBrk="1" latinLnBrk="0" hangingPunct="1">
+      <a:lvl2pPr marL="742950" indent="-285750" algn="l" defTabSz="913765" rtl="0" eaLnBrk="1" latinLnBrk="0" hangingPunct="1">
         <a:spcBef>
           <a:spcPct val="20000"/>
         </a:spcBef>
-        <a:buFont typeface="Arial" pitchFamily="34" charset="0"/>
+        <a:buFont typeface="Arial" panose="020B0604020202020204" pitchFamily="34" charset="0"/>
         <a:buChar char="–"/>
         <a:defRPr sz="2800" kern="1200">
           <a:solidFill>
@@ -2739,11 +2731,11 @@
           <a:cs typeface="+mn-cs"/>
         </a:defRPr>
       </a:lvl2pPr>
-      <a:lvl3pPr marL="1142863" indent="-228573" algn="l" defTabSz="914290" rtl="0" eaLnBrk="1" latinLnBrk="0" hangingPunct="1">
+      <a:lvl3pPr marL="1143000" indent="-228600" algn="l" defTabSz="913765" rtl="0" eaLnBrk="1" latinLnBrk="0" hangingPunct="1">
         <a:spcBef>
           <a:spcPct val="20000"/>
         </a:spcBef>
-        <a:buFont typeface="Arial" pitchFamily="34" charset="0"/>
+        <a:buFont typeface="Arial" panose="020B0604020202020204" pitchFamily="34" charset="0"/>
         <a:buChar char="•"/>
         <a:defRPr sz="2400" kern="1200">
           <a:solidFill>
@@ -2754,11 +2746,11 @@
           <a:cs typeface="+mn-cs"/>
         </a:defRPr>
       </a:lvl3pPr>
-      <a:lvl4pPr marL="1600008" indent="-228573" algn="l" defTabSz="914290" rtl="0" eaLnBrk="1" latinLnBrk="0" hangingPunct="1">
+      <a:lvl4pPr marL="1600200" indent="-228600" algn="l" defTabSz="913765" rtl="0" eaLnBrk="1" latinLnBrk="0" hangingPunct="1">
         <a:spcBef>
           <a:spcPct val="20000"/>
         </a:spcBef>
-        <a:buFont typeface="Arial" pitchFamily="34" charset="0"/>
+        <a:buFont typeface="Arial" panose="020B0604020202020204" pitchFamily="34" charset="0"/>
         <a:buChar char="–"/>
         <a:defRPr sz="2000" kern="1200">
           <a:solidFill>
@@ -2769,11 +2761,11 @@
           <a:cs typeface="+mn-cs"/>
         </a:defRPr>
       </a:lvl4pPr>
-      <a:lvl5pPr marL="2057153" indent="-228573" algn="l" defTabSz="914290" rtl="0" eaLnBrk="1" latinLnBrk="0" hangingPunct="1">
+      <a:lvl5pPr marL="2057400" indent="-228600" algn="l" defTabSz="913765" rtl="0" eaLnBrk="1" latinLnBrk="0" hangingPunct="1">
         <a:spcBef>
           <a:spcPct val="20000"/>
         </a:spcBef>
-        <a:buFont typeface="Arial" pitchFamily="34" charset="0"/>
+        <a:buFont typeface="Arial" panose="020B0604020202020204" pitchFamily="34" charset="0"/>
         <a:buChar char="»"/>
         <a:defRPr sz="2000" kern="1200">
           <a:solidFill>
@@ -2784,11 +2776,11 @@
           <a:cs typeface="+mn-cs"/>
         </a:defRPr>
       </a:lvl5pPr>
-      <a:lvl6pPr marL="2514298" indent="-228573" algn="l" defTabSz="914290" rtl="0" eaLnBrk="1" latinLnBrk="0" hangingPunct="1">
+      <a:lvl6pPr marL="2514600" indent="-228600" algn="l" defTabSz="913765" rtl="0" eaLnBrk="1" latinLnBrk="0" hangingPunct="1">
         <a:spcBef>
           <a:spcPct val="20000"/>
         </a:spcBef>
-        <a:buFont typeface="Arial" pitchFamily="34" charset="0"/>
+        <a:buFont typeface="Arial" panose="020B0604020202020204" pitchFamily="34" charset="0"/>
         <a:buChar char="•"/>
         <a:defRPr sz="2000" kern="1200">
           <a:solidFill>
@@ -2799,11 +2791,11 @@
           <a:cs typeface="+mn-cs"/>
         </a:defRPr>
       </a:lvl6pPr>
-      <a:lvl7pPr marL="2971443" indent="-228573" algn="l" defTabSz="914290" rtl="0" eaLnBrk="1" latinLnBrk="0" hangingPunct="1">
+      <a:lvl7pPr marL="2971165" indent="-228600" algn="l" defTabSz="913765" rtl="0" eaLnBrk="1" latinLnBrk="0" hangingPunct="1">
         <a:spcBef>
           <a:spcPct val="20000"/>
         </a:spcBef>
-        <a:buFont typeface="Arial" pitchFamily="34" charset="0"/>
+        <a:buFont typeface="Arial" panose="020B0604020202020204" pitchFamily="34" charset="0"/>
         <a:buChar char="•"/>
         <a:defRPr sz="2000" kern="1200">
           <a:solidFill>
@@ -2814,11 +2806,11 @@
           <a:cs typeface="+mn-cs"/>
         </a:defRPr>
       </a:lvl7pPr>
-      <a:lvl8pPr marL="3428589" indent="-228573" algn="l" defTabSz="914290" rtl="0" eaLnBrk="1" latinLnBrk="0" hangingPunct="1">
+      <a:lvl8pPr marL="3428365" indent="-228600" algn="l" defTabSz="913765" rtl="0" eaLnBrk="1" latinLnBrk="0" hangingPunct="1">
         <a:spcBef>
           <a:spcPct val="20000"/>
         </a:spcBef>
-        <a:buFont typeface="Arial" pitchFamily="34" charset="0"/>
+        <a:buFont typeface="Arial" panose="020B0604020202020204" pitchFamily="34" charset="0"/>
         <a:buChar char="•"/>
         <a:defRPr sz="2000" kern="1200">
           <a:solidFill>
@@ -2829,11 +2821,11 @@
           <a:cs typeface="+mn-cs"/>
         </a:defRPr>
       </a:lvl8pPr>
-      <a:lvl9pPr marL="3885734" indent="-228573" algn="l" defTabSz="914290" rtl="0" eaLnBrk="1" latinLnBrk="0" hangingPunct="1">
+      <a:lvl9pPr marL="3885565" indent="-228600" algn="l" defTabSz="913765" rtl="0" eaLnBrk="1" latinLnBrk="0" hangingPunct="1">
         <a:spcBef>
           <a:spcPct val="20000"/>
         </a:spcBef>
-        <a:buFont typeface="Arial" pitchFamily="34" charset="0"/>
+        <a:buFont typeface="Arial" panose="020B0604020202020204" pitchFamily="34" charset="0"/>
         <a:buChar char="•"/>
         <a:defRPr sz="2000" kern="1200">
           <a:solidFill>
@@ -2849,7 +2841,7 @@
       <a:defPPr>
         <a:defRPr lang="zh-CN"/>
       </a:defPPr>
-      <a:lvl1pPr marL="0" algn="l" defTabSz="914290" rtl="0" eaLnBrk="1" latinLnBrk="0" hangingPunct="1">
+      <a:lvl1pPr marL="0" algn="l" defTabSz="913765" rtl="0" eaLnBrk="1" latinLnBrk="0" hangingPunct="1">
         <a:defRPr sz="1800" kern="1200">
           <a:solidFill>
             <a:schemeClr val="tx1"/>
@@ -2859,7 +2851,7 @@
           <a:cs typeface="+mn-cs"/>
         </a:defRPr>
       </a:lvl1pPr>
-      <a:lvl2pPr marL="457145" algn="l" defTabSz="914290" rtl="0" eaLnBrk="1" latinLnBrk="0" hangingPunct="1">
+      <a:lvl2pPr marL="457200" algn="l" defTabSz="913765" rtl="0" eaLnBrk="1" latinLnBrk="0" hangingPunct="1">
         <a:defRPr sz="1800" kern="1200">
           <a:solidFill>
             <a:schemeClr val="tx1"/>
@@ -2869,7 +2861,7 @@
           <a:cs typeface="+mn-cs"/>
         </a:defRPr>
       </a:lvl2pPr>
-      <a:lvl3pPr marL="914290" algn="l" defTabSz="914290" rtl="0" eaLnBrk="1" latinLnBrk="0" hangingPunct="1">
+      <a:lvl3pPr marL="914400" algn="l" defTabSz="913765" rtl="0" eaLnBrk="1" latinLnBrk="0" hangingPunct="1">
         <a:defRPr sz="1800" kern="1200">
           <a:solidFill>
             <a:schemeClr val="tx1"/>
@@ -2879,7 +2871,7 @@
           <a:cs typeface="+mn-cs"/>
         </a:defRPr>
       </a:lvl3pPr>
-      <a:lvl4pPr marL="1371435" algn="l" defTabSz="914290" rtl="0" eaLnBrk="1" latinLnBrk="0" hangingPunct="1">
+      <a:lvl4pPr marL="1371600" algn="l" defTabSz="913765" rtl="0" eaLnBrk="1" latinLnBrk="0" hangingPunct="1">
         <a:defRPr sz="1800" kern="1200">
           <a:solidFill>
             <a:schemeClr val="tx1"/>
@@ -2889,7 +2881,7 @@
           <a:cs typeface="+mn-cs"/>
         </a:defRPr>
       </a:lvl4pPr>
-      <a:lvl5pPr marL="1828581" algn="l" defTabSz="914290" rtl="0" eaLnBrk="1" latinLnBrk="0" hangingPunct="1">
+      <a:lvl5pPr marL="1828800" algn="l" defTabSz="913765" rtl="0" eaLnBrk="1" latinLnBrk="0" hangingPunct="1">
         <a:defRPr sz="1800" kern="1200">
           <a:solidFill>
             <a:schemeClr val="tx1"/>
@@ -2899,7 +2891,7 @@
           <a:cs typeface="+mn-cs"/>
         </a:defRPr>
       </a:lvl5pPr>
-      <a:lvl6pPr marL="2285726" algn="l" defTabSz="914290" rtl="0" eaLnBrk="1" latinLnBrk="0" hangingPunct="1">
+      <a:lvl6pPr marL="2286000" algn="l" defTabSz="913765" rtl="0" eaLnBrk="1" latinLnBrk="0" hangingPunct="1">
         <a:defRPr sz="1800" kern="1200">
           <a:solidFill>
             <a:schemeClr val="tx1"/>
@@ -2909,7 +2901,7 @@
           <a:cs typeface="+mn-cs"/>
         </a:defRPr>
       </a:lvl6pPr>
-      <a:lvl7pPr marL="2742871" algn="l" defTabSz="914290" rtl="0" eaLnBrk="1" latinLnBrk="0" hangingPunct="1">
+      <a:lvl7pPr marL="2742565" algn="l" defTabSz="913765" rtl="0" eaLnBrk="1" latinLnBrk="0" hangingPunct="1">
         <a:defRPr sz="1800" kern="1200">
           <a:solidFill>
             <a:schemeClr val="tx1"/>
@@ -2919,7 +2911,7 @@
           <a:cs typeface="+mn-cs"/>
         </a:defRPr>
       </a:lvl7pPr>
-      <a:lvl8pPr marL="3200016" algn="l" defTabSz="914290" rtl="0" eaLnBrk="1" latinLnBrk="0" hangingPunct="1">
+      <a:lvl8pPr marL="3199765" algn="l" defTabSz="913765" rtl="0" eaLnBrk="1" latinLnBrk="0" hangingPunct="1">
         <a:defRPr sz="1800" kern="1200">
           <a:solidFill>
             <a:schemeClr val="tx1"/>
@@ -2929,7 +2921,7 @@
           <a:cs typeface="+mn-cs"/>
         </a:defRPr>
       </a:lvl8pPr>
-      <a:lvl9pPr marL="3657161" algn="l" defTabSz="914290" rtl="0" eaLnBrk="1" latinLnBrk="0" hangingPunct="1">
+      <a:lvl9pPr marL="3656965" algn="l" defTabSz="913765" rtl="0" eaLnBrk="1" latinLnBrk="0" hangingPunct="1">
         <a:defRPr sz="1800" kern="1200">
           <a:solidFill>
             <a:schemeClr val="tx1"/>
@@ -3459,11 +3451,7 @@
             </a:r>
             <a:r>
               <a:rPr lang="zh-CN" altLang="en-US" dirty="0" smtClean="0"/>
-              <a:t>微</a:t>
-            </a:r>
-            <a:r>
-              <a:rPr lang="zh-CN" altLang="en-US" dirty="0" smtClean="0"/>
-              <a:t>信授权</a:t>
+              <a:t>微信授权</a:t>
             </a:r>
             <a:endParaRPr lang="zh-CN" altLang="en-US" dirty="0"/>
           </a:p>
@@ -6652,18 +6640,7 @@
                     </a:schemeClr>
                   </a:solidFill>
                 </a:rPr>
-                <a:t>从</a:t>
-              </a:r>
-              <a:r>
-                <a:rPr lang="zh-CN" altLang="en-US" sz="1200" dirty="0" smtClean="0">
-                  <a:solidFill>
-                    <a:schemeClr val="tx1">
-                      <a:lumMod val="50000"/>
-                      <a:lumOff val="50000"/>
-                    </a:schemeClr>
-                  </a:solidFill>
-                </a:rPr>
-                <a:t>管理员组删除</a:t>
+                <a:t>从管理员组删除</a:t>
               </a:r>
               <a:endParaRPr lang="zh-CN" altLang="en-US" sz="1200" dirty="0">
                 <a:solidFill>
@@ -10817,6 +10794,597 @@
           </a:p>
         </p:txBody>
       </p:sp>
+      <p:sp>
+        <p:nvSpPr>
+          <p:cNvPr id="5" name="圆角矩形 4"/>
+          <p:cNvSpPr/>
+          <p:nvPr/>
+        </p:nvSpPr>
+        <p:spPr>
+          <a:xfrm>
+            <a:off x="2497759" y="1493183"/>
+            <a:ext cx="1571636" cy="500066"/>
+          </a:xfrm>
+          <a:prstGeom prst="roundRect">
+            <a:avLst/>
+          </a:prstGeom>
+          <a:noFill/>
+          <a:ln>
+            <a:solidFill>
+              <a:schemeClr val="tx1"/>
+            </a:solidFill>
+          </a:ln>
+        </p:spPr>
+        <p:style>
+          <a:lnRef idx="2">
+            <a:schemeClr val="accent1">
+              <a:shade val="50000"/>
+            </a:schemeClr>
+          </a:lnRef>
+          <a:fillRef idx="1">
+            <a:schemeClr val="accent1"/>
+          </a:fillRef>
+          <a:effectRef idx="0">
+            <a:schemeClr val="accent1"/>
+          </a:effectRef>
+          <a:fontRef idx="minor">
+            <a:schemeClr val="lt1"/>
+          </a:fontRef>
+        </p:style>
+        <p:txBody>
+          <a:bodyPr lIns="10799" tIns="3600" rIns="10799" bIns="3600" rtlCol="0" anchor="ctr" anchorCtr="1"/>
+          <a:lstStyle/>
+          <a:p>
+            <a:pPr algn="ctr"/>
+            <a:r>
+              <a:rPr lang="zh-CN" altLang="en-US" dirty="0" smtClean="0">
+                <a:solidFill>
+                  <a:schemeClr val="tx1"/>
+                </a:solidFill>
+                <a:latin typeface="+mn-ea"/>
+              </a:rPr>
+              <a:t>开始</a:t>
+            </a:r>
+            <a:endParaRPr lang="zh-CN" altLang="en-US" dirty="0">
+              <a:solidFill>
+                <a:schemeClr val="tx1"/>
+              </a:solidFill>
+              <a:latin typeface="+mn-ea"/>
+            </a:endParaRPr>
+          </a:p>
+        </p:txBody>
+      </p:sp>
+      <p:cxnSp>
+        <p:nvCxnSpPr>
+          <p:cNvPr id="3" name="直接连接符 2"/>
+          <p:cNvCxnSpPr>
+            <a:endCxn id="6" idx="0"/>
+          </p:cNvCxnSpPr>
+          <p:nvPr/>
+        </p:nvCxnSpPr>
+        <p:spPr>
+          <a:xfrm flipH="1">
+            <a:off x="3282950" y="1993265"/>
+            <a:ext cx="1270" cy="324485"/>
+          </a:xfrm>
+          <a:prstGeom prst="line">
+            <a:avLst/>
+          </a:prstGeom>
+          <a:ln w="25400">
+            <a:solidFill>
+              <a:schemeClr val="tx1"/>
+            </a:solidFill>
+            <a:tailEnd type="stealth" w="lg" len="lg"/>
+          </a:ln>
+        </p:spPr>
+        <p:style>
+          <a:lnRef idx="1">
+            <a:schemeClr val="accent1"/>
+          </a:lnRef>
+          <a:fillRef idx="0">
+            <a:schemeClr val="accent1"/>
+          </a:fillRef>
+          <a:effectRef idx="0">
+            <a:schemeClr val="accent1"/>
+          </a:effectRef>
+          <a:fontRef idx="minor">
+            <a:schemeClr val="tx1"/>
+          </a:fontRef>
+        </p:style>
+      </p:cxnSp>
+      <p:sp>
+        <p:nvSpPr>
+          <p:cNvPr id="6" name="矩形 5"/>
+          <p:cNvSpPr/>
+          <p:nvPr/>
+        </p:nvSpPr>
+        <p:spPr>
+          <a:xfrm>
+            <a:off x="2032635" y="2317750"/>
+            <a:ext cx="2500630" cy="499745"/>
+          </a:xfrm>
+          <a:prstGeom prst="rect">
+            <a:avLst/>
+          </a:prstGeom>
+          <a:noFill/>
+          <a:ln>
+            <a:solidFill>
+              <a:schemeClr val="tx1"/>
+            </a:solidFill>
+          </a:ln>
+        </p:spPr>
+        <p:style>
+          <a:lnRef idx="2">
+            <a:schemeClr val="accent1">
+              <a:shade val="50000"/>
+            </a:schemeClr>
+          </a:lnRef>
+          <a:fillRef idx="1">
+            <a:schemeClr val="accent1"/>
+          </a:fillRef>
+          <a:effectRef idx="0">
+            <a:schemeClr val="accent1"/>
+          </a:effectRef>
+          <a:fontRef idx="minor">
+            <a:schemeClr val="lt1"/>
+          </a:fontRef>
+        </p:style>
+        <p:txBody>
+          <a:bodyPr lIns="10799" tIns="3600" rIns="10799" bIns="3600" rtlCol="0" anchor="ctr" anchorCtr="1"/>
+          <a:p>
+            <a:pPr algn="ctr"/>
+            <a:r>
+              <a:rPr lang="zh-CN" altLang="en-US" dirty="0">
+                <a:solidFill>
+                  <a:schemeClr val="tx1"/>
+                </a:solidFill>
+                <a:latin typeface="+mn-ea"/>
+              </a:rPr>
+              <a:t>点击</a:t>
+            </a:r>
+            <a:r>
+              <a:rPr lang="zh-CN" altLang="en-US" dirty="0">
+                <a:solidFill>
+                  <a:schemeClr val="tx1"/>
+                </a:solidFill>
+                <a:latin typeface="+mn-ea"/>
+              </a:rPr>
+              <a:t>聚焦</a:t>
+            </a:r>
+            <a:r>
+              <a:rPr lang="zh-CN" altLang="en-US" dirty="0">
+                <a:solidFill>
+                  <a:schemeClr val="tx1"/>
+                </a:solidFill>
+                <a:latin typeface="+mn-ea"/>
+              </a:rPr>
+              <a:t>搜索框</a:t>
+            </a:r>
+            <a:endParaRPr lang="zh-CN" altLang="en-US" dirty="0">
+              <a:solidFill>
+                <a:schemeClr val="tx1"/>
+              </a:solidFill>
+              <a:latin typeface="+mn-ea"/>
+            </a:endParaRPr>
+          </a:p>
+        </p:txBody>
+      </p:sp>
+      <p:cxnSp>
+        <p:nvCxnSpPr>
+          <p:cNvPr id="58" name="肘形连接符 57"/>
+          <p:cNvCxnSpPr>
+            <a:endCxn id="19" idx="0"/>
+          </p:cNvCxnSpPr>
+          <p:nvPr/>
+        </p:nvCxnSpPr>
+        <p:spPr>
+          <a:xfrm rot="5400000">
+            <a:off x="3108960" y="2992755"/>
+            <a:ext cx="353060" cy="3175"/>
+          </a:xfrm>
+          <a:prstGeom prst="bentConnector3">
+            <a:avLst>
+              <a:gd name="adj1" fmla="val 50090"/>
+            </a:avLst>
+          </a:prstGeom>
+          <a:ln w="25400">
+            <a:solidFill>
+              <a:schemeClr val="tx1"/>
+            </a:solidFill>
+            <a:tailEnd type="stealth" w="lg" len="lg"/>
+          </a:ln>
+        </p:spPr>
+        <p:style>
+          <a:lnRef idx="1">
+            <a:schemeClr val="accent1"/>
+          </a:lnRef>
+          <a:fillRef idx="0">
+            <a:schemeClr val="accent1"/>
+          </a:fillRef>
+          <a:effectRef idx="0">
+            <a:schemeClr val="accent1"/>
+          </a:effectRef>
+          <a:fontRef idx="minor">
+            <a:schemeClr val="tx1"/>
+          </a:fontRef>
+        </p:style>
+      </p:cxnSp>
+      <p:sp>
+        <p:nvSpPr>
+          <p:cNvPr id="19" name="矩形 18"/>
+          <p:cNvSpPr/>
+          <p:nvPr/>
+        </p:nvSpPr>
+        <p:spPr>
+          <a:xfrm>
+            <a:off x="1805940" y="3171190"/>
+            <a:ext cx="2955925" cy="683895"/>
+          </a:xfrm>
+          <a:prstGeom prst="rect">
+            <a:avLst/>
+          </a:prstGeom>
+          <a:noFill/>
+          <a:ln>
+            <a:solidFill>
+              <a:schemeClr val="tx1"/>
+            </a:solidFill>
+          </a:ln>
+        </p:spPr>
+        <p:style>
+          <a:lnRef idx="2">
+            <a:schemeClr val="accent1">
+              <a:shade val="50000"/>
+            </a:schemeClr>
+          </a:lnRef>
+          <a:fillRef idx="1">
+            <a:schemeClr val="accent1"/>
+          </a:fillRef>
+          <a:effectRef idx="0">
+            <a:schemeClr val="accent1"/>
+          </a:effectRef>
+          <a:fontRef idx="minor">
+            <a:schemeClr val="lt1"/>
+          </a:fontRef>
+        </p:style>
+        <p:txBody>
+          <a:bodyPr lIns="10799" tIns="3600" rIns="10799" bIns="3600" rtlCol="0" anchor="ctr" anchorCtr="1"/>
+          <a:p>
+            <a:pPr algn="ctr"/>
+            <a:r>
+              <a:rPr lang="zh-CN" altLang="en-US" dirty="0">
+                <a:solidFill>
+                  <a:schemeClr val="tx1"/>
+                </a:solidFill>
+                <a:latin typeface="+mn-ea"/>
+              </a:rPr>
+              <a:t>可选择资源圈，资源属性以及输入</a:t>
+            </a:r>
+            <a:r>
+              <a:rPr lang="zh-CN" altLang="en-US" dirty="0">
+                <a:solidFill>
+                  <a:schemeClr val="tx1"/>
+                </a:solidFill>
+                <a:latin typeface="+mn-ea"/>
+              </a:rPr>
+              <a:t>筛选关键字</a:t>
+            </a:r>
+            <a:endParaRPr lang="zh-CN" altLang="en-US" dirty="0">
+              <a:solidFill>
+                <a:schemeClr val="tx1"/>
+              </a:solidFill>
+              <a:latin typeface="+mn-ea"/>
+            </a:endParaRPr>
+          </a:p>
+        </p:txBody>
+      </p:sp>
+      <p:cxnSp>
+        <p:nvCxnSpPr>
+          <p:cNvPr id="20" name="肘形连接符 19"/>
+          <p:cNvCxnSpPr/>
+          <p:nvPr/>
+        </p:nvCxnSpPr>
+        <p:spPr>
+          <a:xfrm rot="5400000">
+            <a:off x="3104515" y="4029710"/>
+            <a:ext cx="353060" cy="3175"/>
+          </a:xfrm>
+          <a:prstGeom prst="bentConnector3">
+            <a:avLst>
+              <a:gd name="adj1" fmla="val 50090"/>
+            </a:avLst>
+          </a:prstGeom>
+          <a:ln w="25400">
+            <a:solidFill>
+              <a:schemeClr val="tx1"/>
+            </a:solidFill>
+            <a:tailEnd type="stealth" w="lg" len="lg"/>
+          </a:ln>
+        </p:spPr>
+        <p:style>
+          <a:lnRef idx="1">
+            <a:schemeClr val="accent1"/>
+          </a:lnRef>
+          <a:fillRef idx="0">
+            <a:schemeClr val="accent1"/>
+          </a:fillRef>
+          <a:effectRef idx="0">
+            <a:schemeClr val="accent1"/>
+          </a:effectRef>
+          <a:fontRef idx="minor">
+            <a:schemeClr val="tx1"/>
+          </a:fontRef>
+        </p:style>
+      </p:cxnSp>
+      <p:sp>
+        <p:nvSpPr>
+          <p:cNvPr id="21" name="矩形 20"/>
+          <p:cNvSpPr/>
+          <p:nvPr/>
+        </p:nvSpPr>
+        <p:spPr>
+          <a:xfrm>
+            <a:off x="2383790" y="4208145"/>
+            <a:ext cx="1795145" cy="499745"/>
+          </a:xfrm>
+          <a:prstGeom prst="rect">
+            <a:avLst/>
+          </a:prstGeom>
+          <a:noFill/>
+          <a:ln>
+            <a:solidFill>
+              <a:schemeClr val="tx1"/>
+            </a:solidFill>
+          </a:ln>
+        </p:spPr>
+        <p:style>
+          <a:lnRef idx="2">
+            <a:schemeClr val="accent1">
+              <a:shade val="50000"/>
+            </a:schemeClr>
+          </a:lnRef>
+          <a:fillRef idx="1">
+            <a:schemeClr val="accent1"/>
+          </a:fillRef>
+          <a:effectRef idx="0">
+            <a:schemeClr val="accent1"/>
+          </a:effectRef>
+          <a:fontRef idx="minor">
+            <a:schemeClr val="lt1"/>
+          </a:fontRef>
+        </p:style>
+        <p:txBody>
+          <a:bodyPr lIns="10799" tIns="3600" rIns="10799" bIns="3600" rtlCol="0" anchor="ctr" anchorCtr="1"/>
+          <a:p>
+            <a:pPr algn="ctr"/>
+            <a:r>
+              <a:rPr lang="zh-CN" altLang="en-US" dirty="0">
+                <a:solidFill>
+                  <a:schemeClr val="tx1"/>
+                </a:solidFill>
+                <a:latin typeface="+mn-ea"/>
+              </a:rPr>
+              <a:t>点击搜索按钮</a:t>
+            </a:r>
+            <a:endParaRPr lang="zh-CN" altLang="en-US" dirty="0">
+              <a:solidFill>
+                <a:schemeClr val="tx1"/>
+              </a:solidFill>
+              <a:latin typeface="+mn-ea"/>
+            </a:endParaRPr>
+          </a:p>
+        </p:txBody>
+      </p:sp>
+      <p:sp>
+        <p:nvSpPr>
+          <p:cNvPr id="22" name="椭圆 21"/>
+          <p:cNvSpPr/>
+          <p:nvPr/>
+        </p:nvSpPr>
+        <p:spPr>
+          <a:xfrm>
+            <a:off x="2209791" y="5053985"/>
+            <a:ext cx="2143140" cy="571504"/>
+          </a:xfrm>
+          <a:prstGeom prst="ellipse">
+            <a:avLst/>
+          </a:prstGeom>
+          <a:noFill/>
+          <a:ln>
+            <a:solidFill>
+              <a:schemeClr val="bg1">
+                <a:lumMod val="50000"/>
+              </a:schemeClr>
+            </a:solidFill>
+          </a:ln>
+        </p:spPr>
+        <p:style>
+          <a:lnRef idx="2">
+            <a:schemeClr val="accent1">
+              <a:shade val="50000"/>
+            </a:schemeClr>
+          </a:lnRef>
+          <a:fillRef idx="1">
+            <a:schemeClr val="accent1"/>
+          </a:fillRef>
+          <a:effectRef idx="0">
+            <a:schemeClr val="accent1"/>
+          </a:effectRef>
+          <a:fontRef idx="minor">
+            <a:schemeClr val="lt1"/>
+          </a:fontRef>
+        </p:style>
+        <p:txBody>
+          <a:bodyPr lIns="10800" tIns="3600" rIns="10800" bIns="3600" rtlCol="0" anchor="ctr"/>
+          <a:p>
+            <a:pPr algn="ctr"/>
+            <a:r>
+              <a:rPr lang="zh-CN" altLang="en-US" dirty="0" smtClean="0">
+                <a:solidFill>
+                  <a:schemeClr val="tx1">
+                    <a:lumMod val="50000"/>
+                    <a:lumOff val="50000"/>
+                  </a:schemeClr>
+                </a:solidFill>
+              </a:rPr>
+              <a:t>展示</a:t>
+            </a:r>
+            <a:r>
+              <a:rPr lang="zh-CN" altLang="en-US" dirty="0" smtClean="0">
+                <a:solidFill>
+                  <a:schemeClr val="tx1">
+                    <a:lumMod val="50000"/>
+                    <a:lumOff val="50000"/>
+                  </a:schemeClr>
+                </a:solidFill>
+              </a:rPr>
+              <a:t>资源</a:t>
+            </a:r>
+            <a:endParaRPr lang="zh-CN" altLang="en-US" dirty="0">
+              <a:solidFill>
+                <a:schemeClr val="tx1">
+                  <a:lumMod val="50000"/>
+                  <a:lumOff val="50000"/>
+                </a:schemeClr>
+              </a:solidFill>
+            </a:endParaRPr>
+          </a:p>
+        </p:txBody>
+      </p:sp>
+      <p:cxnSp>
+        <p:nvCxnSpPr>
+          <p:cNvPr id="23" name="肘形连接符 22"/>
+          <p:cNvCxnSpPr/>
+          <p:nvPr/>
+        </p:nvCxnSpPr>
+        <p:spPr>
+          <a:xfrm rot="5400000">
+            <a:off x="3101340" y="4882515"/>
+            <a:ext cx="353060" cy="3175"/>
+          </a:xfrm>
+          <a:prstGeom prst="bentConnector3">
+            <a:avLst>
+              <a:gd name="adj1" fmla="val 50090"/>
+            </a:avLst>
+          </a:prstGeom>
+          <a:ln w="25400">
+            <a:solidFill>
+              <a:schemeClr val="tx1"/>
+            </a:solidFill>
+            <a:tailEnd type="stealth" w="lg" len="lg"/>
+          </a:ln>
+        </p:spPr>
+        <p:style>
+          <a:lnRef idx="1">
+            <a:schemeClr val="accent1"/>
+          </a:lnRef>
+          <a:fillRef idx="0">
+            <a:schemeClr val="accent1"/>
+          </a:fillRef>
+          <a:effectRef idx="0">
+            <a:schemeClr val="accent1"/>
+          </a:effectRef>
+          <a:fontRef idx="minor">
+            <a:schemeClr val="tx1"/>
+          </a:fontRef>
+        </p:style>
+      </p:cxnSp>
+      <p:cxnSp>
+        <p:nvCxnSpPr>
+          <p:cNvPr id="24" name="肘形连接符 23"/>
+          <p:cNvCxnSpPr/>
+          <p:nvPr/>
+        </p:nvCxnSpPr>
+        <p:spPr>
+          <a:xfrm rot="5400000">
+            <a:off x="3108960" y="5800090"/>
+            <a:ext cx="353060" cy="3175"/>
+          </a:xfrm>
+          <a:prstGeom prst="bentConnector3">
+            <a:avLst>
+              <a:gd name="adj1" fmla="val 50090"/>
+            </a:avLst>
+          </a:prstGeom>
+          <a:ln w="25400">
+            <a:solidFill>
+              <a:schemeClr val="tx1"/>
+            </a:solidFill>
+            <a:tailEnd type="stealth" w="lg" len="lg"/>
+          </a:ln>
+        </p:spPr>
+        <p:style>
+          <a:lnRef idx="1">
+            <a:schemeClr val="accent1"/>
+          </a:lnRef>
+          <a:fillRef idx="0">
+            <a:schemeClr val="accent1"/>
+          </a:fillRef>
+          <a:effectRef idx="0">
+            <a:schemeClr val="accent1"/>
+          </a:effectRef>
+          <a:fontRef idx="minor">
+            <a:schemeClr val="tx1"/>
+          </a:fontRef>
+        </p:style>
+      </p:cxnSp>
+      <p:sp>
+        <p:nvSpPr>
+          <p:cNvPr id="25" name="圆角矩形 24"/>
+          <p:cNvSpPr/>
+          <p:nvPr/>
+        </p:nvSpPr>
+        <p:spPr>
+          <a:xfrm>
+            <a:off x="2500299" y="5978823"/>
+            <a:ext cx="1571636" cy="500066"/>
+          </a:xfrm>
+          <a:prstGeom prst="roundRect">
+            <a:avLst/>
+          </a:prstGeom>
+          <a:noFill/>
+          <a:ln>
+            <a:solidFill>
+              <a:schemeClr val="tx1"/>
+            </a:solidFill>
+          </a:ln>
+        </p:spPr>
+        <p:style>
+          <a:lnRef idx="2">
+            <a:schemeClr val="accent1">
+              <a:shade val="50000"/>
+            </a:schemeClr>
+          </a:lnRef>
+          <a:fillRef idx="1">
+            <a:schemeClr val="accent1"/>
+          </a:fillRef>
+          <a:effectRef idx="0">
+            <a:schemeClr val="accent1"/>
+          </a:effectRef>
+          <a:fontRef idx="minor">
+            <a:schemeClr val="lt1"/>
+          </a:fontRef>
+        </p:style>
+        <p:txBody>
+          <a:bodyPr lIns="10799" tIns="3600" rIns="10799" bIns="3600" rtlCol="0" anchor="ctr" anchorCtr="1"/>
+          <a:p>
+            <a:pPr algn="ctr"/>
+            <a:r>
+              <a:rPr lang="zh-CN" altLang="en-US" dirty="0">
+                <a:solidFill>
+                  <a:schemeClr val="tx1"/>
+                </a:solidFill>
+                <a:latin typeface="+mn-ea"/>
+              </a:rPr>
+              <a:t>结束</a:t>
+            </a:r>
+            <a:endParaRPr lang="zh-CN" altLang="en-US" dirty="0">
+              <a:solidFill>
+                <a:schemeClr val="tx1"/>
+              </a:solidFill>
+              <a:latin typeface="+mn-ea"/>
+            </a:endParaRPr>
+          </a:p>
+        </p:txBody>
+      </p:sp>
     </p:spTree>
   </p:cSld>
   <p:clrMapOvr>
@@ -10862,6 +11430,362 @@
               <a:t>日志查看</a:t>
             </a:r>
             <a:endParaRPr lang="zh-CN" altLang="en-US" dirty="0"/>
+          </a:p>
+        </p:txBody>
+      </p:sp>
+      <p:sp>
+        <p:nvSpPr>
+          <p:cNvPr id="5" name="圆角矩形 4"/>
+          <p:cNvSpPr/>
+          <p:nvPr/>
+        </p:nvSpPr>
+        <p:spPr>
+          <a:xfrm>
+            <a:off x="2497759" y="1493183"/>
+            <a:ext cx="1571636" cy="500066"/>
+          </a:xfrm>
+          <a:prstGeom prst="roundRect">
+            <a:avLst/>
+          </a:prstGeom>
+          <a:noFill/>
+          <a:ln>
+            <a:solidFill>
+              <a:schemeClr val="tx1"/>
+            </a:solidFill>
+          </a:ln>
+        </p:spPr>
+        <p:style>
+          <a:lnRef idx="2">
+            <a:schemeClr val="accent1">
+              <a:shade val="50000"/>
+            </a:schemeClr>
+          </a:lnRef>
+          <a:fillRef idx="1">
+            <a:schemeClr val="accent1"/>
+          </a:fillRef>
+          <a:effectRef idx="0">
+            <a:schemeClr val="accent1"/>
+          </a:effectRef>
+          <a:fontRef idx="minor">
+            <a:schemeClr val="lt1"/>
+          </a:fontRef>
+        </p:style>
+        <p:txBody>
+          <a:bodyPr lIns="10799" tIns="3600" rIns="10799" bIns="3600" rtlCol="0" anchor="ctr" anchorCtr="1"/>
+          <a:p>
+            <a:pPr algn="ctr"/>
+            <a:r>
+              <a:rPr lang="zh-CN" altLang="en-US" dirty="0" smtClean="0">
+                <a:solidFill>
+                  <a:schemeClr val="tx1"/>
+                </a:solidFill>
+                <a:latin typeface="+mn-ea"/>
+              </a:rPr>
+              <a:t>开始</a:t>
+            </a:r>
+            <a:endParaRPr lang="zh-CN" altLang="en-US" dirty="0">
+              <a:solidFill>
+                <a:schemeClr val="tx1"/>
+              </a:solidFill>
+              <a:latin typeface="+mn-ea"/>
+            </a:endParaRPr>
+          </a:p>
+        </p:txBody>
+      </p:sp>
+      <p:cxnSp>
+        <p:nvCxnSpPr>
+          <p:cNvPr id="3" name="直接连接符 2"/>
+          <p:cNvCxnSpPr>
+            <a:endCxn id="6" idx="0"/>
+          </p:cNvCxnSpPr>
+          <p:nvPr/>
+        </p:nvCxnSpPr>
+        <p:spPr>
+          <a:xfrm flipH="1">
+            <a:off x="3282950" y="1993265"/>
+            <a:ext cx="1270" cy="324485"/>
+          </a:xfrm>
+          <a:prstGeom prst="line">
+            <a:avLst/>
+          </a:prstGeom>
+          <a:ln w="25400">
+            <a:solidFill>
+              <a:schemeClr val="tx1"/>
+            </a:solidFill>
+            <a:tailEnd type="stealth" w="lg" len="lg"/>
+          </a:ln>
+        </p:spPr>
+        <p:style>
+          <a:lnRef idx="1">
+            <a:schemeClr val="accent1"/>
+          </a:lnRef>
+          <a:fillRef idx="0">
+            <a:schemeClr val="accent1"/>
+          </a:fillRef>
+          <a:effectRef idx="0">
+            <a:schemeClr val="accent1"/>
+          </a:effectRef>
+          <a:fontRef idx="minor">
+            <a:schemeClr val="tx1"/>
+          </a:fontRef>
+        </p:style>
+      </p:cxnSp>
+      <p:sp>
+        <p:nvSpPr>
+          <p:cNvPr id="6" name="矩形 5"/>
+          <p:cNvSpPr/>
+          <p:nvPr/>
+        </p:nvSpPr>
+        <p:spPr>
+          <a:xfrm>
+            <a:off x="2032635" y="2317750"/>
+            <a:ext cx="2500630" cy="499745"/>
+          </a:xfrm>
+          <a:prstGeom prst="rect">
+            <a:avLst/>
+          </a:prstGeom>
+          <a:noFill/>
+          <a:ln>
+            <a:solidFill>
+              <a:schemeClr val="tx1"/>
+            </a:solidFill>
+          </a:ln>
+        </p:spPr>
+        <p:style>
+          <a:lnRef idx="2">
+            <a:schemeClr val="accent1">
+              <a:shade val="50000"/>
+            </a:schemeClr>
+          </a:lnRef>
+          <a:fillRef idx="1">
+            <a:schemeClr val="accent1"/>
+          </a:fillRef>
+          <a:effectRef idx="0">
+            <a:schemeClr val="accent1"/>
+          </a:effectRef>
+          <a:fontRef idx="minor">
+            <a:schemeClr val="lt1"/>
+          </a:fontRef>
+        </p:style>
+        <p:txBody>
+          <a:bodyPr lIns="10799" tIns="3600" rIns="10799" bIns="3600" rtlCol="0" anchor="ctr" anchorCtr="1"/>
+          <a:p>
+            <a:pPr algn="ctr"/>
+            <a:r>
+              <a:rPr lang="zh-CN" altLang="en-US" dirty="0">
+                <a:solidFill>
+                  <a:schemeClr val="tx1"/>
+                </a:solidFill>
+                <a:latin typeface="+mn-ea"/>
+              </a:rPr>
+              <a:t>点击资源日志按钮</a:t>
+            </a:r>
+            <a:endParaRPr lang="zh-CN" altLang="en-US" dirty="0">
+              <a:solidFill>
+                <a:schemeClr val="tx1"/>
+              </a:solidFill>
+              <a:latin typeface="+mn-ea"/>
+            </a:endParaRPr>
+          </a:p>
+        </p:txBody>
+      </p:sp>
+      <p:sp>
+        <p:nvSpPr>
+          <p:cNvPr id="22" name="椭圆 21"/>
+          <p:cNvSpPr/>
+          <p:nvPr/>
+        </p:nvSpPr>
+        <p:spPr>
+          <a:xfrm>
+            <a:off x="2212331" y="3170575"/>
+            <a:ext cx="2143140" cy="571504"/>
+          </a:xfrm>
+          <a:prstGeom prst="ellipse">
+            <a:avLst/>
+          </a:prstGeom>
+          <a:noFill/>
+          <a:ln>
+            <a:solidFill>
+              <a:schemeClr val="bg1">
+                <a:lumMod val="50000"/>
+              </a:schemeClr>
+            </a:solidFill>
+          </a:ln>
+        </p:spPr>
+        <p:style>
+          <a:lnRef idx="2">
+            <a:schemeClr val="accent1">
+              <a:shade val="50000"/>
+            </a:schemeClr>
+          </a:lnRef>
+          <a:fillRef idx="1">
+            <a:schemeClr val="accent1"/>
+          </a:fillRef>
+          <a:effectRef idx="0">
+            <a:schemeClr val="accent1"/>
+          </a:effectRef>
+          <a:fontRef idx="minor">
+            <a:schemeClr val="lt1"/>
+          </a:fontRef>
+        </p:style>
+        <p:txBody>
+          <a:bodyPr lIns="10800" tIns="3600" rIns="10800" bIns="3600" rtlCol="0" anchor="ctr"/>
+          <a:p>
+            <a:pPr algn="ctr"/>
+            <a:r>
+              <a:rPr lang="zh-CN" altLang="en-US" dirty="0" smtClean="0">
+                <a:solidFill>
+                  <a:schemeClr val="tx1">
+                    <a:lumMod val="50000"/>
+                    <a:lumOff val="50000"/>
+                  </a:schemeClr>
+                </a:solidFill>
+              </a:rPr>
+              <a:t>展示日志列表</a:t>
+            </a:r>
+            <a:endParaRPr lang="zh-CN" altLang="en-US" dirty="0" smtClean="0">
+              <a:solidFill>
+                <a:schemeClr val="tx1">
+                  <a:lumMod val="50000"/>
+                  <a:lumOff val="50000"/>
+                </a:schemeClr>
+              </a:solidFill>
+            </a:endParaRPr>
+          </a:p>
+        </p:txBody>
+      </p:sp>
+      <p:cxnSp>
+        <p:nvCxnSpPr>
+          <p:cNvPr id="23" name="肘形连接符 22"/>
+          <p:cNvCxnSpPr/>
+          <p:nvPr/>
+        </p:nvCxnSpPr>
+        <p:spPr>
+          <a:xfrm rot="5400000">
+            <a:off x="3104515" y="2992120"/>
+            <a:ext cx="353060" cy="3175"/>
+          </a:xfrm>
+          <a:prstGeom prst="bentConnector3">
+            <a:avLst>
+              <a:gd name="adj1" fmla="val 50090"/>
+            </a:avLst>
+          </a:prstGeom>
+          <a:ln w="25400">
+            <a:solidFill>
+              <a:schemeClr val="tx1"/>
+            </a:solidFill>
+            <a:tailEnd type="stealth" w="lg" len="lg"/>
+          </a:ln>
+        </p:spPr>
+        <p:style>
+          <a:lnRef idx="1">
+            <a:schemeClr val="accent1"/>
+          </a:lnRef>
+          <a:fillRef idx="0">
+            <a:schemeClr val="accent1"/>
+          </a:fillRef>
+          <a:effectRef idx="0">
+            <a:schemeClr val="accent1"/>
+          </a:effectRef>
+          <a:fontRef idx="minor">
+            <a:schemeClr val="tx1"/>
+          </a:fontRef>
+        </p:style>
+      </p:cxnSp>
+      <p:cxnSp>
+        <p:nvCxnSpPr>
+          <p:cNvPr id="24" name="肘形连接符 23"/>
+          <p:cNvCxnSpPr/>
+          <p:nvPr/>
+        </p:nvCxnSpPr>
+        <p:spPr>
+          <a:xfrm rot="5400000">
+            <a:off x="3111500" y="3916680"/>
+            <a:ext cx="353060" cy="3175"/>
+          </a:xfrm>
+          <a:prstGeom prst="bentConnector3">
+            <a:avLst>
+              <a:gd name="adj1" fmla="val 50090"/>
+            </a:avLst>
+          </a:prstGeom>
+          <a:ln w="25400">
+            <a:solidFill>
+              <a:schemeClr val="tx1"/>
+            </a:solidFill>
+            <a:tailEnd type="stealth" w="lg" len="lg"/>
+          </a:ln>
+        </p:spPr>
+        <p:style>
+          <a:lnRef idx="1">
+            <a:schemeClr val="accent1"/>
+          </a:lnRef>
+          <a:fillRef idx="0">
+            <a:schemeClr val="accent1"/>
+          </a:fillRef>
+          <a:effectRef idx="0">
+            <a:schemeClr val="accent1"/>
+          </a:effectRef>
+          <a:fontRef idx="minor">
+            <a:schemeClr val="tx1"/>
+          </a:fontRef>
+        </p:style>
+      </p:cxnSp>
+      <p:sp>
+        <p:nvSpPr>
+          <p:cNvPr id="25" name="圆角矩形 24"/>
+          <p:cNvSpPr/>
+          <p:nvPr/>
+        </p:nvSpPr>
+        <p:spPr>
+          <a:xfrm>
+            <a:off x="2502839" y="4095413"/>
+            <a:ext cx="1571636" cy="500066"/>
+          </a:xfrm>
+          <a:prstGeom prst="roundRect">
+            <a:avLst/>
+          </a:prstGeom>
+          <a:noFill/>
+          <a:ln>
+            <a:solidFill>
+              <a:schemeClr val="tx1"/>
+            </a:solidFill>
+          </a:ln>
+        </p:spPr>
+        <p:style>
+          <a:lnRef idx="2">
+            <a:schemeClr val="accent1">
+              <a:shade val="50000"/>
+            </a:schemeClr>
+          </a:lnRef>
+          <a:fillRef idx="1">
+            <a:schemeClr val="accent1"/>
+          </a:fillRef>
+          <a:effectRef idx="0">
+            <a:schemeClr val="accent1"/>
+          </a:effectRef>
+          <a:fontRef idx="minor">
+            <a:schemeClr val="lt1"/>
+          </a:fontRef>
+        </p:style>
+        <p:txBody>
+          <a:bodyPr lIns="10799" tIns="3600" rIns="10799" bIns="3600" rtlCol="0" anchor="ctr" anchorCtr="1"/>
+          <a:p>
+            <a:pPr algn="ctr"/>
+            <a:r>
+              <a:rPr lang="zh-CN" altLang="en-US" dirty="0">
+                <a:solidFill>
+                  <a:schemeClr val="tx1"/>
+                </a:solidFill>
+                <a:latin typeface="+mn-ea"/>
+              </a:rPr>
+              <a:t>结束</a:t>
+            </a:r>
+            <a:endParaRPr lang="zh-CN" altLang="en-US" dirty="0">
+              <a:solidFill>
+                <a:schemeClr val="tx1"/>
+              </a:solidFill>
+              <a:latin typeface="+mn-ea"/>
+            </a:endParaRPr>
           </a:p>
         </p:txBody>
       </p:sp>
@@ -11151,7 +12075,10 @@
       </a:bgFillStyleLst>
     </a:fmtScheme>
   </a:themeElements>
-  <a:objectDefaults/>
-  <a:extraClrSchemeLst/>
+  <a:extLst>
+    <a:ext uri="{05A4C25C-085E-4340-85A3-A5531E510DB2}">
+      <thm15:themeFamily xmlns:thm15="http://schemas.microsoft.com/office/thememl/2012/main" name="Office Theme" id="{62F939B6-93AF-4DB8-9C6B-D6C7DFDC589F}" vid="{4A3C46E8-61CC-4603-A589-7422A47A8E4A}"/>
+    </a:ext>
+  </a:extLst>
 </a:theme>
 </file>